--- a/asdkjhfew_eqffeqw.pptx
+++ b/asdkjhfew_eqffeqw.pptx
@@ -207,7 +207,7 @@
           <a:p>
             <a:fld id="{78789F75-BA25-8349-9E5A-276B5591032B}" type="datetimeFigureOut">
               <a:rPr lang="en-US" smtClean="0"/>
-              <a:t>5/28/2017</a:t>
+              <a:t>5/28/17</a:t>
             </a:fld>
             <a:endParaRPr lang="en-US"/>
           </a:p>
@@ -771,7 +771,7 @@
           <a:p>
             <a:fld id="{209F86D2-D728-C74A-A177-724B225D7106}" type="datetimeFigureOut">
               <a:rPr lang="en-US" smtClean="0"/>
-              <a:t>5/28/2017</a:t>
+              <a:t>5/28/17</a:t>
             </a:fld>
             <a:endParaRPr lang="en-US"/>
           </a:p>
@@ -939,7 +939,7 @@
           <a:p>
             <a:fld id="{209F86D2-D728-C74A-A177-724B225D7106}" type="datetimeFigureOut">
               <a:rPr lang="en-US" smtClean="0"/>
-              <a:t>5/28/2017</a:t>
+              <a:t>5/28/17</a:t>
             </a:fld>
             <a:endParaRPr lang="en-US"/>
           </a:p>
@@ -1117,7 +1117,7 @@
           <a:p>
             <a:fld id="{209F86D2-D728-C74A-A177-724B225D7106}" type="datetimeFigureOut">
               <a:rPr lang="en-US" smtClean="0"/>
-              <a:t>5/28/2017</a:t>
+              <a:t>5/28/17</a:t>
             </a:fld>
             <a:endParaRPr lang="en-US"/>
           </a:p>
@@ -1285,7 +1285,7 @@
           <a:p>
             <a:fld id="{209F86D2-D728-C74A-A177-724B225D7106}" type="datetimeFigureOut">
               <a:rPr lang="en-US" smtClean="0"/>
-              <a:t>5/28/2017</a:t>
+              <a:t>5/28/17</a:t>
             </a:fld>
             <a:endParaRPr lang="en-US"/>
           </a:p>
@@ -1530,7 +1530,7 @@
           <a:p>
             <a:fld id="{209F86D2-D728-C74A-A177-724B225D7106}" type="datetimeFigureOut">
               <a:rPr lang="en-US" smtClean="0"/>
-              <a:t>5/28/2017</a:t>
+              <a:t>5/28/17</a:t>
             </a:fld>
             <a:endParaRPr lang="en-US"/>
           </a:p>
@@ -1759,7 +1759,7 @@
           <a:p>
             <a:fld id="{209F86D2-D728-C74A-A177-724B225D7106}" type="datetimeFigureOut">
               <a:rPr lang="en-US" smtClean="0"/>
-              <a:t>5/28/2017</a:t>
+              <a:t>5/28/17</a:t>
             </a:fld>
             <a:endParaRPr lang="en-US"/>
           </a:p>
@@ -2123,7 +2123,7 @@
           <a:p>
             <a:fld id="{209F86D2-D728-C74A-A177-724B225D7106}" type="datetimeFigureOut">
               <a:rPr lang="en-US" smtClean="0"/>
-              <a:t>5/28/2017</a:t>
+              <a:t>5/28/17</a:t>
             </a:fld>
             <a:endParaRPr lang="en-US"/>
           </a:p>
@@ -2240,7 +2240,7 @@
           <a:p>
             <a:fld id="{209F86D2-D728-C74A-A177-724B225D7106}" type="datetimeFigureOut">
               <a:rPr lang="en-US" smtClean="0"/>
-              <a:t>5/28/2017</a:t>
+              <a:t>5/28/17</a:t>
             </a:fld>
             <a:endParaRPr lang="en-US"/>
           </a:p>
@@ -2335,7 +2335,7 @@
           <a:p>
             <a:fld id="{209F86D2-D728-C74A-A177-724B225D7106}" type="datetimeFigureOut">
               <a:rPr lang="en-US" smtClean="0"/>
-              <a:t>5/28/2017</a:t>
+              <a:t>5/28/17</a:t>
             </a:fld>
             <a:endParaRPr lang="en-US"/>
           </a:p>
@@ -2610,7 +2610,7 @@
           <a:p>
             <a:fld id="{209F86D2-D728-C74A-A177-724B225D7106}" type="datetimeFigureOut">
               <a:rPr lang="en-US" smtClean="0"/>
-              <a:t>5/28/2017</a:t>
+              <a:t>5/28/17</a:t>
             </a:fld>
             <a:endParaRPr lang="en-US"/>
           </a:p>
@@ -2862,7 +2862,7 @@
           <a:p>
             <a:fld id="{209F86D2-D728-C74A-A177-724B225D7106}" type="datetimeFigureOut">
               <a:rPr lang="en-US" smtClean="0"/>
-              <a:t>5/28/2017</a:t>
+              <a:t>5/28/17</a:t>
             </a:fld>
             <a:endParaRPr lang="en-US"/>
           </a:p>
@@ -3073,7 +3073,7 @@
           <a:p>
             <a:fld id="{209F86D2-D728-C74A-A177-724B225D7106}" type="datetimeFigureOut">
               <a:rPr lang="en-US" smtClean="0"/>
-              <a:t>5/28/2017</a:t>
+              <a:t>5/28/17</a:t>
             </a:fld>
             <a:endParaRPr lang="en-US"/>
           </a:p>
@@ -3647,6 +3647,13 @@
   <p:clrMapOvr>
     <a:masterClrMapping/>
   </p:clrMapOvr>
+  <p:timing>
+    <p:tnLst>
+      <p:par>
+        <p:cTn id="1" dur="indefinite" restart="never" nodeType="tmRoot"/>
+      </p:par>
+    </p:tnLst>
+  </p:timing>
 </p:sld>
 </file>
 
@@ -3751,6 +3758,13 @@
   <p:clrMapOvr>
     <a:masterClrMapping/>
   </p:clrMapOvr>
+  <p:timing>
+    <p:tnLst>
+      <p:par>
+        <p:cTn id="1" dur="indefinite" restart="never" nodeType="tmRoot"/>
+      </p:par>
+    </p:tnLst>
+  </p:timing>
 </p:sld>
 </file>
 
@@ -3882,8 +3896,13 @@
             </a:pPr>
             <a:r>
               <a:rPr lang="en-US" sz="3600" i="1" dirty="0"/>
-              <a:t>Rush is a classroom tool designed to change the stigma around learning</a:t>
-            </a:r>
+              <a:t>Rush is a classroom </a:t>
+            </a:r>
+            <a:r>
+              <a:rPr lang="en-US" sz="3600" i="1" dirty="0" smtClean="0"/>
+              <a:t>tool and web app designed to improve learning for all students in the classroom with advanced analytics.</a:t>
+            </a:r>
+            <a:endParaRPr lang="en-US" sz="3600" i="1" dirty="0"/>
           </a:p>
         </p:txBody>
       </p:sp>
@@ -3897,6 +3916,13 @@
   <p:clrMapOvr>
     <a:masterClrMapping/>
   </p:clrMapOvr>
+  <p:timing>
+    <p:tnLst>
+      <p:par>
+        <p:cTn id="1" dur="indefinite" restart="never" nodeType="tmRoot"/>
+      </p:par>
+    </p:tnLst>
+  </p:timing>
 </p:sld>
 </file>
 
@@ -4316,9 +4342,10 @@
               <a:buNone/>
             </a:pPr>
             <a:r>
-              <a:rPr lang="en-US" sz="3600" i="1" dirty="0"/>
-              <a:t>We feel that the best way to increase productivity in classrooms is to interest students in the topics they are taught at school</a:t>
-            </a:r>
+              <a:rPr lang="en-US" sz="3600" i="1" dirty="0" smtClean="0"/>
+              <a:t>We can increase productivity through fun and innovative ways of learning as well as giving statistics about each individual student.</a:t>
+            </a:r>
+            <a:endParaRPr lang="en-US" sz="3600" i="1" dirty="0"/>
           </a:p>
           <a:p>
             <a:pPr marL="0" indent="0">
@@ -4338,6 +4365,13 @@
   <p:clrMapOvr>
     <a:overrideClrMapping bg1="dk1" tx1="lt1" bg2="dk2" tx2="lt2" accent1="accent1" accent2="accent2" accent3="accent3" accent4="accent4" accent5="accent5" accent6="accent6" hlink="hlink" folHlink="folHlink"/>
   </p:clrMapOvr>
+  <p:timing>
+    <p:tnLst>
+      <p:par>
+        <p:cTn id="1" dur="indefinite" restart="never" nodeType="tmRoot"/>
+      </p:par>
+    </p:tnLst>
+  </p:timing>
 </p:sld>
 </file>
 
@@ -4488,8 +4522,8 @@
         </p:blipFill>
         <p:spPr bwMode="auto">
           <a:xfrm>
-            <a:off x="737220" y="1675227"/>
-            <a:ext cx="10717559" cy="4394199"/>
+            <a:off x="3416610" y="2912266"/>
+            <a:ext cx="5358779" cy="2197099"/>
           </a:xfrm>
           <a:prstGeom prst="rect">
             <a:avLst/>
@@ -4668,6 +4702,55 @@
           </a:fontRef>
         </p:style>
       </p:cxnSp>
+      <p:sp>
+        <p:nvSpPr>
+          <p:cNvPr id="9" name="Title 1"/>
+          <p:cNvSpPr txBox="1">
+            <a:spLocks/>
+          </p:cNvSpPr>
+          <p:nvPr/>
+        </p:nvSpPr>
+        <p:spPr>
+          <a:xfrm>
+            <a:off x="488612" y="5559481"/>
+            <a:ext cx="11210925" cy="744836"/>
+          </a:xfrm>
+          <a:prstGeom prst="rect">
+            <a:avLst/>
+          </a:prstGeom>
+        </p:spPr>
+        <p:txBody>
+          <a:bodyPr vert="horz" lIns="91440" tIns="45720" rIns="91440" bIns="45720" rtlCol="0" anchor="ctr">
+            <a:normAutofit/>
+          </a:bodyPr>
+          <a:lstStyle>
+            <a:lvl1pPr algn="l" defTabSz="914400" rtl="0" eaLnBrk="1" latinLnBrk="0" hangingPunct="1">
+              <a:lnSpc>
+                <a:spcPct val="90000"/>
+              </a:lnSpc>
+              <a:spcBef>
+                <a:spcPct val="0"/>
+              </a:spcBef>
+              <a:buNone/>
+              <a:defRPr sz="4400" kern="1200">
+                <a:solidFill>
+                  <a:schemeClr val="tx1"/>
+                </a:solidFill>
+                <a:latin typeface="+mj-lt"/>
+                <a:ea typeface="+mj-ea"/>
+                <a:cs typeface="+mj-cs"/>
+              </a:defRPr>
+            </a:lvl1pPr>
+          </a:lstStyle>
+          <a:p>
+            <a:pPr algn="ctr"/>
+            <a:r>
+              <a:rPr lang="en-US" sz="3200" i="1" dirty="0" smtClean="0"/>
+              <a:t>Rush allows for individualized analysis and a fun way of learning</a:t>
+            </a:r>
+          </a:p>
+        </p:txBody>
+      </p:sp>
     </p:spTree>
     <p:extLst>
       <p:ext uri="{BB962C8B-B14F-4D97-AF65-F5344CB8AC3E}">
@@ -5005,6 +5088,150 @@
                       </p:childTnLst>
                     </p:cTn>
                   </p:par>
+                  <p:par>
+                    <p:cTn id="22" fill="hold">
+                      <p:stCondLst>
+                        <p:cond delay="indefinite"/>
+                      </p:stCondLst>
+                      <p:childTnLst>
+                        <p:par>
+                          <p:cTn id="23" fill="hold">
+                            <p:stCondLst>
+                              <p:cond delay="0"/>
+                            </p:stCondLst>
+                            <p:childTnLst>
+                              <p:par>
+                                <p:cTn id="24" presetID="1" presetClass="entr" presetSubtype="0" fill="hold" grpId="1" nodeType="clickEffect">
+                                  <p:stCondLst>
+                                    <p:cond delay="0"/>
+                                  </p:stCondLst>
+                                  <p:childTnLst>
+                                    <p:set>
+                                      <p:cBhvr>
+                                        <p:cTn id="25" dur="1" fill="hold">
+                                          <p:stCondLst>
+                                            <p:cond delay="0"/>
+                                          </p:stCondLst>
+                                        </p:cTn>
+                                        <p:tgtEl>
+                                          <p:spTgt spid="15"/>
+                                        </p:tgtEl>
+                                        <p:attrNameLst>
+                                          <p:attrName>style.visibility</p:attrName>
+                                        </p:attrNameLst>
+                                      </p:cBhvr>
+                                      <p:to>
+                                        <p:strVal val="visible"/>
+                                      </p:to>
+                                    </p:set>
+                                  </p:childTnLst>
+                                </p:cTn>
+                              </p:par>
+                              <p:par>
+                                <p:cTn id="26" presetID="1" presetClass="entr" presetSubtype="0" fill="hold" grpId="1" nodeType="withEffect">
+                                  <p:stCondLst>
+                                    <p:cond delay="0"/>
+                                  </p:stCondLst>
+                                  <p:childTnLst>
+                                    <p:set>
+                                      <p:cBhvr>
+                                        <p:cTn id="27" dur="1" fill="hold">
+                                          <p:stCondLst>
+                                            <p:cond delay="0"/>
+                                          </p:stCondLst>
+                                        </p:cTn>
+                                        <p:tgtEl>
+                                          <p:spTgt spid="14"/>
+                                        </p:tgtEl>
+                                        <p:attrNameLst>
+                                          <p:attrName>style.visibility</p:attrName>
+                                        </p:attrNameLst>
+                                      </p:cBhvr>
+                                      <p:to>
+                                        <p:strVal val="visible"/>
+                                      </p:to>
+                                    </p:set>
+                                  </p:childTnLst>
+                                </p:cTn>
+                              </p:par>
+                              <p:par>
+                                <p:cTn id="28" presetID="1" presetClass="entr" presetSubtype="0" fill="hold" nodeType="withEffect">
+                                  <p:stCondLst>
+                                    <p:cond delay="0"/>
+                                  </p:stCondLst>
+                                  <p:childTnLst>
+                                    <p:set>
+                                      <p:cBhvr>
+                                        <p:cTn id="29" dur="1" fill="hold">
+                                          <p:stCondLst>
+                                            <p:cond delay="0"/>
+                                          </p:stCondLst>
+                                        </p:cTn>
+                                        <p:tgtEl>
+                                          <p:spTgt spid="16"/>
+                                        </p:tgtEl>
+                                        <p:attrNameLst>
+                                          <p:attrName>style.visibility</p:attrName>
+                                        </p:attrNameLst>
+                                      </p:cBhvr>
+                                      <p:to>
+                                        <p:strVal val="visible"/>
+                                      </p:to>
+                                    </p:set>
+                                  </p:childTnLst>
+                                </p:cTn>
+                              </p:par>
+                            </p:childTnLst>
+                          </p:cTn>
+                        </p:par>
+                      </p:childTnLst>
+                    </p:cTn>
+                  </p:par>
+                  <p:par>
+                    <p:cTn id="30" fill="hold">
+                      <p:stCondLst>
+                        <p:cond delay="indefinite"/>
+                      </p:stCondLst>
+                      <p:childTnLst>
+                        <p:par>
+                          <p:cTn id="31" fill="hold">
+                            <p:stCondLst>
+                              <p:cond delay="0"/>
+                            </p:stCondLst>
+                            <p:childTnLst>
+                              <p:par>
+                                <p:cTn id="32" presetID="1" presetClass="exit" presetSubtype="0" fill="hold" nodeType="clickEffect">
+                                  <p:stCondLst>
+                                    <p:cond delay="0"/>
+                                  </p:stCondLst>
+                                  <p:childTnLst>
+                                    <p:set>
+                                      <p:cBhvr>
+                                        <p:cTn id="33" dur="1" fill="hold">
+                                          <p:stCondLst>
+                                            <p:cond delay="0"/>
+                                          </p:stCondLst>
+                                        </p:cTn>
+                                        <p:tgtEl>
+                                          <p:spTgt spid="4098"/>
+                                        </p:tgtEl>
+                                        <p:attrNameLst>
+                                          <p:attrName>style.visibility</p:attrName>
+                                        </p:attrNameLst>
+                                      </p:cBhvr>
+                                      <p:to>
+                                        <p:strVal val="hidden"/>
+                                      </p:to>
+                                    </p:set>
+                                  </p:childTnLst>
+                                </p:cTn>
+                              </p:par>
+                            </p:childTnLst>
+                          </p:cTn>
+                        </p:par>
+                      </p:childTnLst>
+                    </p:cTn>
+                  </p:par>
                 </p:childTnLst>
               </p:cTn>
               <p:prevCondLst>
@@ -5028,7 +5255,9 @@
     </p:tnLst>
     <p:bldLst>
       <p:bldP spid="14" grpId="0"/>
+      <p:bldP spid="14" grpId="1"/>
       <p:bldP spid="15" grpId="0"/>
+      <p:bldP spid="15" grpId="1"/>
     </p:bldLst>
   </p:timing>
 </p:sld>
@@ -5118,8 +5347,19 @@
           <a:p>
             <a:r>
               <a:rPr lang="en-US" sz="3200" dirty="0"/>
-              <a:t>In-depth analysis of student results*</a:t>
-            </a:r>
+              <a:t>In-depth analysis of student results</a:t>
+            </a:r>
+            <a:r>
+              <a:rPr lang="en-US" sz="3200" dirty="0" smtClean="0"/>
+              <a:t>*</a:t>
+            </a:r>
+          </a:p>
+          <a:p>
+            <a:r>
+              <a:rPr lang="en-US" sz="3200" dirty="0" smtClean="0"/>
+              <a:t>Class wide results and analytics</a:t>
+            </a:r>
+            <a:endParaRPr lang="en-US" sz="3200" dirty="0"/>
           </a:p>
         </p:txBody>
       </p:sp>
@@ -5203,6 +5443,13 @@
   <p:clrMapOvr>
     <a:masterClrMapping/>
   </p:clrMapOvr>
+  <p:timing>
+    <p:tnLst>
+      <p:par>
+        <p:cTn id="1" dur="indefinite" restart="never" nodeType="tmRoot"/>
+      </p:par>
+    </p:tnLst>
+  </p:timing>
 </p:sld>
 </file>
 
@@ -5283,6 +5530,13 @@
   <p:clrMapOvr>
     <a:masterClrMapping/>
   </p:clrMapOvr>
+  <p:timing>
+    <p:tnLst>
+      <p:par>
+        <p:cTn id="1" dur="indefinite" restart="never" nodeType="tmRoot"/>
+      </p:par>
+    </p:tnLst>
+  </p:timing>
 </p:sld>
 </file>
 
